--- a/Level B/B2/B2. разбор.pptx
+++ b/Level B/B2/B2. разбор.pptx
@@ -5260,7 +5260,7 @@
             <a:fld id="{EA0C0817-A112-4847-8014-A94B7D2A4EA3}" type="datetime1">
               <a:rPr lang="en-US" smtClean="0"/>
               <a:pPr/>
-              <a:t>5/11/2020</a:t>
+              <a:t>5/12/2020</a:t>
             </a:fld>
             <a:endParaRPr lang="en-US" dirty="0"/>
           </a:p>
@@ -5492,7 +5492,7 @@
                 </a:solidFill>
               </a:rPr>
               <a:pPr/>
-              <a:t>5/11/2020</a:t>
+              <a:t>5/12/2020</a:t>
             </a:fld>
             <a:endParaRPr lang="en-US">
               <a:solidFill>
@@ -5709,7 +5709,7 @@
                 </a:solidFill>
               </a:rPr>
               <a:pPr/>
-              <a:t>5/11/2020</a:t>
+              <a:t>5/12/2020</a:t>
             </a:fld>
             <a:endParaRPr lang="en-US">
               <a:solidFill>
@@ -6273,7 +6273,7 @@
             <a:fld id="{EA0C0817-A112-4847-8014-A94B7D2A4EA3}" type="datetime1">
               <a:rPr lang="en-US" smtClean="0"/>
               <a:pPr/>
-              <a:t>5/11/2020</a:t>
+              <a:t>5/12/2020</a:t>
             </a:fld>
             <a:endParaRPr lang="en-US" dirty="0"/>
           </a:p>
@@ -6505,7 +6505,7 @@
                 </a:solidFill>
               </a:rPr>
               <a:pPr/>
-              <a:t>5/11/2020</a:t>
+              <a:t>5/12/2020</a:t>
             </a:fld>
             <a:endParaRPr lang="en-US">
               <a:solidFill>
@@ -7138,7 +7138,7 @@
             <a:fld id="{D9C646AA-F36E-4540-911D-FFFC0A0EF24A}" type="datetime1">
               <a:rPr lang="ru-RU" smtClean="0"/>
               <a:pPr/>
-              <a:t>11.05.2020</a:t>
+              <a:t>12.05.2020</a:t>
             </a:fld>
             <a:endParaRPr dirty="0"/>
           </a:p>
@@ -7488,7 +7488,7 @@
                 </a:solidFill>
               </a:rPr>
               <a:pPr/>
-              <a:t>5/11/2020</a:t>
+              <a:t>5/12/2020</a:t>
             </a:fld>
             <a:endParaRPr lang="en-US">
               <a:solidFill>
@@ -7960,7 +7960,7 @@
                 </a:solidFill>
               </a:rPr>
               <a:pPr/>
-              <a:t>5/11/2020</a:t>
+              <a:t>5/12/2020</a:t>
             </a:fld>
             <a:endParaRPr lang="en-US">
               <a:solidFill>
@@ -8115,7 +8115,7 @@
                 </a:solidFill>
               </a:rPr>
               <a:pPr/>
-              <a:t>5/11/2020</a:t>
+              <a:t>5/12/2020</a:t>
             </a:fld>
             <a:endParaRPr lang="en-US">
               <a:solidFill>
@@ -8247,7 +8247,7 @@
                 </a:solidFill>
               </a:rPr>
               <a:pPr/>
-              <a:t>5/11/2020</a:t>
+              <a:t>5/12/2020</a:t>
             </a:fld>
             <a:endParaRPr lang="en-US">
               <a:solidFill>
@@ -8701,7 +8701,7 @@
                 </a:solidFill>
               </a:rPr>
               <a:pPr/>
-              <a:t>5/11/2020</a:t>
+              <a:t>5/12/2020</a:t>
             </a:fld>
             <a:endParaRPr lang="en-US">
               <a:solidFill>
@@ -8933,7 +8933,7 @@
                 </a:solidFill>
               </a:rPr>
               <a:pPr/>
-              <a:t>5/11/2020</a:t>
+              <a:t>5/12/2020</a:t>
             </a:fld>
             <a:endParaRPr lang="en-US">
               <a:solidFill>
@@ -9199,7 +9199,7 @@
             <a:fld id="{E778CE86-875F-4587-BCF6-FA054AFC0D53}" type="datetime1">
               <a:rPr lang="en-US" smtClean="0"/>
               <a:pPr/>
-              <a:t>5/11/2020</a:t>
+              <a:t>5/12/2020</a:t>
             </a:fld>
             <a:endParaRPr lang="en-US" dirty="0"/>
           </a:p>
@@ -9588,7 +9588,7 @@
                 </a:solidFill>
               </a:rPr>
               <a:pPr/>
-              <a:t>5/11/2020</a:t>
+              <a:t>5/12/2020</a:t>
             </a:fld>
             <a:endParaRPr lang="en-US">
               <a:solidFill>
@@ -9805,7 +9805,7 @@
                 </a:solidFill>
               </a:rPr>
               <a:pPr/>
-              <a:t>5/11/2020</a:t>
+              <a:t>5/12/2020</a:t>
             </a:fld>
             <a:endParaRPr lang="en-US">
               <a:solidFill>
@@ -10369,7 +10369,7 @@
             <a:fld id="{EA0C0817-A112-4847-8014-A94B7D2A4EA3}" type="datetime1">
               <a:rPr lang="en-US" smtClean="0"/>
               <a:pPr/>
-              <a:t>5/11/2020</a:t>
+              <a:t>5/12/2020</a:t>
             </a:fld>
             <a:endParaRPr lang="en-US" dirty="0"/>
           </a:p>
@@ -10601,7 +10601,7 @@
                 </a:solidFill>
               </a:rPr>
               <a:pPr/>
-              <a:t>5/11/2020</a:t>
+              <a:t>5/12/2020</a:t>
             </a:fld>
             <a:endParaRPr lang="en-US">
               <a:solidFill>
@@ -11234,7 +11234,7 @@
             <a:fld id="{D9C646AA-F36E-4540-911D-FFFC0A0EF24A}" type="datetime1">
               <a:rPr lang="ru-RU" smtClean="0"/>
               <a:pPr/>
-              <a:t>11.05.2020</a:t>
+              <a:t>12.05.2020</a:t>
             </a:fld>
             <a:endParaRPr dirty="0"/>
           </a:p>
@@ -11584,7 +11584,7 @@
                 </a:solidFill>
               </a:rPr>
               <a:pPr/>
-              <a:t>5/11/2020</a:t>
+              <a:t>5/12/2020</a:t>
             </a:fld>
             <a:endParaRPr lang="en-US">
               <a:solidFill>
@@ -12056,7 +12056,7 @@
                 </a:solidFill>
               </a:rPr>
               <a:pPr/>
-              <a:t>5/11/2020</a:t>
+              <a:t>5/12/2020</a:t>
             </a:fld>
             <a:endParaRPr lang="en-US">
               <a:solidFill>
@@ -12211,7 +12211,7 @@
                 </a:solidFill>
               </a:rPr>
               <a:pPr/>
-              <a:t>5/11/2020</a:t>
+              <a:t>5/12/2020</a:t>
             </a:fld>
             <a:endParaRPr lang="en-US">
               <a:solidFill>
@@ -12343,7 +12343,7 @@
                 </a:solidFill>
               </a:rPr>
               <a:pPr/>
-              <a:t>5/11/2020</a:t>
+              <a:t>5/12/2020</a:t>
             </a:fld>
             <a:endParaRPr lang="en-US">
               <a:solidFill>
@@ -12976,7 +12976,7 @@
             <a:fld id="{D9C646AA-F36E-4540-911D-FFFC0A0EF24A}" type="datetime1">
               <a:rPr lang="ru-RU" smtClean="0"/>
               <a:pPr/>
-              <a:t>11.05.2020</a:t>
+              <a:t>12.05.2020</a:t>
             </a:fld>
             <a:endParaRPr dirty="0"/>
           </a:p>
@@ -13455,7 +13455,7 @@
                 </a:solidFill>
               </a:rPr>
               <a:pPr/>
-              <a:t>5/11/2020</a:t>
+              <a:t>5/12/2020</a:t>
             </a:fld>
             <a:endParaRPr lang="en-US">
               <a:solidFill>
@@ -13746,7 +13746,7 @@
             <a:fld id="{E778CE86-875F-4587-BCF6-FA054AFC0D53}" type="datetime1">
               <a:rPr lang="en-US" smtClean="0"/>
               <a:pPr/>
-              <a:t>5/11/2020</a:t>
+              <a:t>5/12/2020</a:t>
             </a:fld>
             <a:endParaRPr lang="en-US" dirty="0"/>
           </a:p>
@@ -14135,7 +14135,7 @@
                 </a:solidFill>
               </a:rPr>
               <a:pPr/>
-              <a:t>5/11/2020</a:t>
+              <a:t>5/12/2020</a:t>
             </a:fld>
             <a:endParaRPr lang="en-US">
               <a:solidFill>
@@ -14352,7 +14352,7 @@
                 </a:solidFill>
               </a:rPr>
               <a:pPr/>
-              <a:t>5/11/2020</a:t>
+              <a:t>5/12/2020</a:t>
             </a:fld>
             <a:endParaRPr lang="en-US">
               <a:solidFill>
@@ -14677,7 +14677,7 @@
                 </a:solidFill>
               </a:rPr>
               <a:pPr/>
-              <a:t>5/11/2020</a:t>
+              <a:t>5/12/2020</a:t>
             </a:fld>
             <a:endParaRPr lang="en-US">
               <a:solidFill>
@@ -15149,7 +15149,7 @@
                 </a:solidFill>
               </a:rPr>
               <a:pPr/>
-              <a:t>5/11/2020</a:t>
+              <a:t>5/12/2020</a:t>
             </a:fld>
             <a:endParaRPr lang="en-US">
               <a:solidFill>
@@ -15304,7 +15304,7 @@
                 </a:solidFill>
               </a:rPr>
               <a:pPr/>
-              <a:t>5/11/2020</a:t>
+              <a:t>5/12/2020</a:t>
             </a:fld>
             <a:endParaRPr lang="en-US">
               <a:solidFill>
@@ -15436,7 +15436,7 @@
                 </a:solidFill>
               </a:rPr>
               <a:pPr/>
-              <a:t>5/11/2020</a:t>
+              <a:t>5/12/2020</a:t>
             </a:fld>
             <a:endParaRPr lang="en-US">
               <a:solidFill>
@@ -15890,7 +15890,7 @@
                 </a:solidFill>
               </a:rPr>
               <a:pPr/>
-              <a:t>5/11/2020</a:t>
+              <a:t>5/12/2020</a:t>
             </a:fld>
             <a:endParaRPr lang="en-US">
               <a:solidFill>
@@ -16181,7 +16181,7 @@
             <a:fld id="{E778CE86-875F-4587-BCF6-FA054AFC0D53}" type="datetime1">
               <a:rPr lang="en-US" smtClean="0"/>
               <a:pPr/>
-              <a:t>5/11/2020</a:t>
+              <a:t>5/12/2020</a:t>
             </a:fld>
             <a:endParaRPr lang="en-US" dirty="0"/>
           </a:p>
@@ -16724,7 +16724,7 @@
                 </a:solidFill>
               </a:rPr>
               <a:pPr/>
-              <a:t>5/11/2020</a:t>
+              <a:t>5/12/2020</a:t>
             </a:fld>
             <a:endParaRPr lang="en-US">
               <a:solidFill>
@@ -17476,7 +17476,7 @@
                 </a:solidFill>
               </a:rPr>
               <a:pPr/>
-              <a:t>5/11/2020</a:t>
+              <a:t>5/12/2020</a:t>
             </a:fld>
             <a:endParaRPr lang="en-US">
               <a:solidFill>
@@ -18228,7 +18228,7 @@
                 </a:solidFill>
               </a:rPr>
               <a:pPr/>
-              <a:t>5/11/2020</a:t>
+              <a:t>5/12/2020</a:t>
             </a:fld>
             <a:endParaRPr lang="en-US">
               <a:solidFill>
@@ -18973,7 +18973,7 @@
           <a:p>
             <a:r>
               <a:rPr lang="ru-RU" dirty="0"/>
-              <a:t>Задача вторая</a:t>
+              <a:t>Задача третья</a:t>
             </a:r>
           </a:p>
         </p:txBody>
